--- a/PPT/20231211_aws.pptx
+++ b/PPT/20231211_aws.pptx
@@ -299,7 +299,7 @@
             <a:fld id="{9B648D92-67E8-4200-A68A-D22EF9E0A86E}" type="datetimeFigureOut">
               <a:rPr lang="ko-KR" altLang="en-US" smtClean="0"/>
               <a:pPr/>
-              <a:t>2023-12-12</a:t>
+              <a:t>2023-12-13</a:t>
             </a:fld>
             <a:endParaRPr lang="ko-KR" altLang="en-US"/>
           </a:p>
@@ -466,7 +466,7 @@
             <a:fld id="{9B648D92-67E8-4200-A68A-D22EF9E0A86E}" type="datetimeFigureOut">
               <a:rPr lang="ko-KR" altLang="en-US" smtClean="0"/>
               <a:pPr/>
-              <a:t>2023-12-12</a:t>
+              <a:t>2023-12-13</a:t>
             </a:fld>
             <a:endParaRPr lang="ko-KR" altLang="en-US"/>
           </a:p>
@@ -643,7 +643,7 @@
             <a:fld id="{9B648D92-67E8-4200-A68A-D22EF9E0A86E}" type="datetimeFigureOut">
               <a:rPr lang="ko-KR" altLang="en-US" smtClean="0"/>
               <a:pPr/>
-              <a:t>2023-12-12</a:t>
+              <a:t>2023-12-13</a:t>
             </a:fld>
             <a:endParaRPr lang="ko-KR" altLang="en-US"/>
           </a:p>
@@ -810,7 +810,7 @@
             <a:fld id="{9B648D92-67E8-4200-A68A-D22EF9E0A86E}" type="datetimeFigureOut">
               <a:rPr lang="ko-KR" altLang="en-US" smtClean="0"/>
               <a:pPr/>
-              <a:t>2023-12-12</a:t>
+              <a:t>2023-12-13</a:t>
             </a:fld>
             <a:endParaRPr lang="ko-KR" altLang="en-US"/>
           </a:p>
@@ -1053,7 +1053,7 @@
             <a:fld id="{9B648D92-67E8-4200-A68A-D22EF9E0A86E}" type="datetimeFigureOut">
               <a:rPr lang="ko-KR" altLang="en-US" smtClean="0"/>
               <a:pPr/>
-              <a:t>2023-12-12</a:t>
+              <a:t>2023-12-13</a:t>
             </a:fld>
             <a:endParaRPr lang="ko-KR" altLang="en-US"/>
           </a:p>
@@ -1338,7 +1338,7 @@
             <a:fld id="{9B648D92-67E8-4200-A68A-D22EF9E0A86E}" type="datetimeFigureOut">
               <a:rPr lang="ko-KR" altLang="en-US" smtClean="0"/>
               <a:pPr/>
-              <a:t>2023-12-12</a:t>
+              <a:t>2023-12-13</a:t>
             </a:fld>
             <a:endParaRPr lang="ko-KR" altLang="en-US"/>
           </a:p>
@@ -1757,7 +1757,7 @@
             <a:fld id="{9B648D92-67E8-4200-A68A-D22EF9E0A86E}" type="datetimeFigureOut">
               <a:rPr lang="ko-KR" altLang="en-US" smtClean="0"/>
               <a:pPr/>
-              <a:t>2023-12-12</a:t>
+              <a:t>2023-12-13</a:t>
             </a:fld>
             <a:endParaRPr lang="ko-KR" altLang="en-US"/>
           </a:p>
@@ -1872,7 +1872,7 @@
             <a:fld id="{9B648D92-67E8-4200-A68A-D22EF9E0A86E}" type="datetimeFigureOut">
               <a:rPr lang="ko-KR" altLang="en-US" smtClean="0"/>
               <a:pPr/>
-              <a:t>2023-12-12</a:t>
+              <a:t>2023-12-13</a:t>
             </a:fld>
             <a:endParaRPr lang="ko-KR" altLang="en-US"/>
           </a:p>
@@ -1964,7 +1964,7 @@
             <a:fld id="{9B648D92-67E8-4200-A68A-D22EF9E0A86E}" type="datetimeFigureOut">
               <a:rPr lang="ko-KR" altLang="en-US" smtClean="0"/>
               <a:pPr/>
-              <a:t>2023-12-12</a:t>
+              <a:t>2023-12-13</a:t>
             </a:fld>
             <a:endParaRPr lang="ko-KR" altLang="en-US"/>
           </a:p>
@@ -2238,7 +2238,7 @@
             <a:fld id="{9B648D92-67E8-4200-A68A-D22EF9E0A86E}" type="datetimeFigureOut">
               <a:rPr lang="ko-KR" altLang="en-US" smtClean="0"/>
               <a:pPr/>
-              <a:t>2023-12-12</a:t>
+              <a:t>2023-12-13</a:t>
             </a:fld>
             <a:endParaRPr lang="ko-KR" altLang="en-US"/>
           </a:p>
@@ -2488,7 +2488,7 @@
             <a:fld id="{9B648D92-67E8-4200-A68A-D22EF9E0A86E}" type="datetimeFigureOut">
               <a:rPr lang="ko-KR" altLang="en-US" smtClean="0"/>
               <a:pPr/>
-              <a:t>2023-12-12</a:t>
+              <a:t>2023-12-13</a:t>
             </a:fld>
             <a:endParaRPr lang="ko-KR" altLang="en-US"/>
           </a:p>
@@ -2698,7 +2698,7 @@
             <a:fld id="{9B648D92-67E8-4200-A68A-D22EF9E0A86E}" type="datetimeFigureOut">
               <a:rPr lang="ko-KR" altLang="en-US" smtClean="0"/>
               <a:pPr/>
-              <a:t>2023-12-12</a:t>
+              <a:t>2023-12-13</a:t>
             </a:fld>
             <a:endParaRPr lang="ko-KR" altLang="en-US"/>
           </a:p>
@@ -3423,11 +3423,7 @@
             </a:r>
             <a:r>
               <a:rPr lang="en-US" altLang="ko-KR" sz="1600" dirty="0" smtClean="0"/>
-              <a:t>0.005</a:t>
-            </a:r>
-            <a:r>
-              <a:rPr lang="en-US" altLang="ko-KR" sz="1600" dirty="0" smtClean="0"/>
-              <a:t>$</a:t>
+              <a:t>0.005$</a:t>
             </a:r>
             <a:r>
               <a:rPr lang="ko-KR" altLang="en-US" sz="1600" dirty="0" smtClean="0"/>
@@ -3520,19 +3516,11 @@
             </a:r>
             <a:r>
               <a:rPr lang="ko-KR" altLang="en-US" sz="1600" dirty="0" smtClean="0"/>
-              <a:t>까지만 </a:t>
-            </a:r>
-            <a:r>
-              <a:rPr lang="ko-KR" altLang="en-US" sz="1600" dirty="0" smtClean="0"/>
-              <a:t>무료</a:t>
+              <a:t>까지만 무료</a:t>
             </a:r>
             <a:r>
               <a:rPr lang="en-US" altLang="ko-KR" sz="1600" dirty="0" smtClean="0"/>
-              <a:t>,. </a:t>
-            </a:r>
-            <a:r>
-              <a:rPr lang="en-US" altLang="ko-KR" sz="1600" dirty="0" smtClean="0"/>
-              <a:t>PUT</a:t>
+              <a:t>,. PUT</a:t>
             </a:r>
             <a:r>
               <a:rPr lang="ko-KR" altLang="en-US" sz="1600" dirty="0" err="1" smtClean="0"/>
@@ -3717,7 +3705,6 @@
               <a:rPr lang="en-US" altLang="ko-KR" sz="1600" dirty="0" smtClean="0"/>
               <a:t>,                    </a:t>
             </a:r>
-            <a:endParaRPr lang="en-US" altLang="ko-KR" sz="1600" dirty="0" smtClean="0"/>
           </a:p>
           <a:p>
             <a:r>
@@ -4020,7 +4007,6 @@
               <a:rPr lang="en-US" altLang="ko-KR" dirty="0" smtClean="0"/>
               <a:t>Asia/Seoul</a:t>
             </a:r>
-            <a:endParaRPr lang="en-US" altLang="ko-KR" dirty="0" smtClean="0"/>
           </a:p>
           <a:p>
             <a:r>
@@ -5060,11 +5046,7 @@
             </a:r>
             <a:r>
               <a:rPr lang="en-US" altLang="ko-KR" dirty="0" smtClean="0"/>
-              <a:t> </a:t>
-            </a:r>
-            <a:r>
-              <a:rPr lang="en-US" altLang="ko-KR" dirty="0" smtClean="0"/>
-              <a:t>)</a:t>
+              <a:t> )</a:t>
             </a:r>
           </a:p>
           <a:p>
@@ -5100,14 +5082,12 @@
               <a:rPr lang="en-US" altLang="ko-KR" dirty="0" smtClean="0"/>
               <a:t> ~</a:t>
             </a:r>
-            <a:endParaRPr lang="en-US" altLang="ko-KR" dirty="0" smtClean="0"/>
           </a:p>
           <a:p>
             <a:r>
               <a:rPr lang="en-US" altLang="ko-KR" dirty="0" smtClean="0"/>
               <a:t>                </a:t>
             </a:r>
-            <a:endParaRPr lang="en-US" altLang="ko-KR" dirty="0" smtClean="0"/>
           </a:p>
           <a:p>
             <a:endParaRPr lang="en-US" altLang="ko-KR" dirty="0" smtClean="0"/>
@@ -10435,11 +10415,7 @@
             </a:r>
             <a:r>
               <a:rPr lang="en-US" altLang="ko-KR" sz="1600" dirty="0" smtClean="0"/>
-              <a:t>.( </a:t>
-            </a:r>
-            <a:r>
-              <a:rPr lang="en-US" altLang="ko-KR" sz="1600" dirty="0" smtClean="0"/>
-              <a:t>directory </a:t>
+              <a:t>.( directory </a:t>
             </a:r>
             <a:r>
               <a:rPr lang="ko-KR" altLang="en-US" sz="1600" dirty="0" smtClean="0"/>
@@ -11111,19 +11087,7 @@
             </a:r>
             <a:r>
               <a:rPr lang="ko-KR" altLang="en-US" sz="1200" b="1" dirty="0" smtClean="0"/>
-              <a:t> 설정을 위한 각종 파일이 </a:t>
-            </a:r>
-            <a:r>
-              <a:rPr lang="ko-KR" altLang="en-US" sz="1200" b="1" dirty="0" smtClean="0"/>
-              <a:t>들</a:t>
-            </a:r>
-            <a:r>
-              <a:rPr lang="ko-KR" altLang="en-US" sz="1200" b="1" dirty="0" smtClean="0"/>
-              <a:t>어</a:t>
-            </a:r>
-            <a:r>
-              <a:rPr lang="ko-KR" altLang="en-US" sz="1200" b="1" dirty="0" smtClean="0"/>
-              <a:t>있는 </a:t>
+              <a:t> 설정을 위한 각종 파일이 들어있는 </a:t>
             </a:r>
             <a:r>
               <a:rPr lang="en-US" altLang="ko-KR" sz="1200" b="1" dirty="0" smtClean="0"/>
@@ -11975,15 +11939,7 @@
           <a:p>
             <a:r>
               <a:rPr lang="en-US" altLang="ko-KR" sz="1200" dirty="0" smtClean="0"/>
-              <a:t>*</a:t>
-            </a:r>
-            <a:r>
-              <a:rPr lang="en-US" altLang="ko-KR" sz="1200" dirty="0" smtClean="0"/>
-              <a:t>WSL(</a:t>
-            </a:r>
-            <a:r>
-              <a:rPr lang="en-US" altLang="ko-KR" sz="1200" dirty="0" smtClean="0"/>
-              <a:t>Window Sub-system for Linux2)</a:t>
+              <a:t>*WSL(Window Sub-system for Linux2)</a:t>
             </a:r>
             <a:r>
               <a:rPr lang="ko-KR" altLang="en-US" sz="1200" dirty="0" smtClean="0"/>
@@ -12555,11 +12511,7 @@
             </a:r>
             <a:r>
               <a:rPr lang="ko-KR" altLang="en-US" sz="1600" dirty="0" smtClean="0"/>
-              <a:t> </a:t>
-            </a:r>
-            <a:r>
-              <a:rPr lang="ko-KR" altLang="en-US" sz="1600" dirty="0" smtClean="0"/>
-              <a:t>그 이상 </a:t>
+              <a:t> 그 이상 </a:t>
             </a:r>
             <a:r>
               <a:rPr lang="ko-KR" altLang="en-US" sz="1600" dirty="0" err="1" smtClean="0"/>
